--- a/semweb-course/Chapters/04-SPARQL_GeoSPARQL/SPARQL.pptx
+++ b/semweb-course/Chapters/04-SPARQL_GeoSPARQL/SPARQL.pptx
@@ -244,7 +244,7 @@
           <a:p>
             <a:fld id="{A947A078-BB61-2149-93C0-F21B9C642FF7}" type="datetimeFigureOut">
               <a:rPr lang="en-US" smtClean="0"/>
-              <a:t>9/29/20</a:t>
+              <a:t>4/7/24</a:t>
             </a:fld>
             <a:endParaRPr lang="en-US"/>
           </a:p>
@@ -410,7 +410,7 @@
           <a:p>
             <a:fld id="{D108D300-3819-FC40-951F-AFEADA2BE8E4}" type="datetimeFigureOut">
               <a:rPr lang="en-US" smtClean="0"/>
-              <a:t>9/29/20</a:t>
+              <a:t>4/7/24</a:t>
             </a:fld>
             <a:endParaRPr lang="en-US"/>
           </a:p>
@@ -5642,13 +5642,8 @@
             </a:r>
             <a:r>
               <a:rPr lang="en-US" dirty="0"/>
-              <a:t> </a:t>
-            </a:r>
-            <a:r>
-              <a:rPr lang="en-US" dirty="0" err="1"/>
-              <a:t>exprression</a:t>
-            </a:r>
-            <a:endParaRPr lang="en-US" dirty="0"/>
+              <a:t> expression</a:t>
+            </a:r>
           </a:p>
         </p:txBody>
       </p:sp>
@@ -11505,9 +11500,9 @@
           <a:p>
             <a:r>
               <a:rPr lang="en-US" sz="1800" dirty="0">
-                <a:latin typeface="CMU Sans Serif Medium" panose="02000603000000000000" pitchFamily="2" charset="0"/>
-                <a:ea typeface="CMU Sans Serif Medium" panose="02000603000000000000" pitchFamily="2" charset="0"/>
-                <a:cs typeface="CMU Sans Serif Medium" panose="02000603000000000000" pitchFamily="2" charset="0"/>
+                <a:latin typeface="CMU Sans Serif" panose="02000603000000000000" pitchFamily="2" charset="0"/>
+                <a:ea typeface="CMU Sans Serif" panose="02000603000000000000" pitchFamily="2" charset="0"/>
+                <a:cs typeface="CMU Sans Serif" panose="02000603000000000000" pitchFamily="2" charset="0"/>
               </a:rPr>
               <a:t>Many RDF data stores hold multiple RDF graphs</a:t>
             </a:r>
@@ -11515,9 +11510,9 @@
           <a:p>
             <a:r>
               <a:rPr lang="en-US" sz="1800" dirty="0">
-                <a:latin typeface="CMU Sans Serif Medium" panose="02000603000000000000" pitchFamily="2" charset="0"/>
-                <a:ea typeface="CMU Sans Serif Medium" panose="02000603000000000000" pitchFamily="2" charset="0"/>
-                <a:cs typeface="CMU Sans Serif Medium" panose="02000603000000000000" pitchFamily="2" charset="0"/>
+                <a:latin typeface="CMU Sans Serif" panose="02000603000000000000" pitchFamily="2" charset="0"/>
+                <a:ea typeface="CMU Sans Serif" panose="02000603000000000000" pitchFamily="2" charset="0"/>
+                <a:cs typeface="CMU Sans Serif" panose="02000603000000000000" pitchFamily="2" charset="0"/>
               </a:rPr>
               <a:t>A SPARQL query is executed against an </a:t>
             </a:r>
@@ -11526,9 +11521,9 @@
                 <a:solidFill>
                   <a:srgbClr val="0070C0"/>
                 </a:solidFill>
-                <a:latin typeface="CMU Sans Serif Medium" panose="02000603000000000000" pitchFamily="2" charset="0"/>
-                <a:ea typeface="CMU Sans Serif Medium" panose="02000603000000000000" pitchFamily="2" charset="0"/>
-                <a:cs typeface="CMU Sans Serif Medium" panose="02000603000000000000" pitchFamily="2" charset="0"/>
+                <a:latin typeface="CMU Sans Serif" panose="02000603000000000000" pitchFamily="2" charset="0"/>
+                <a:ea typeface="CMU Sans Serif" panose="02000603000000000000" pitchFamily="2" charset="0"/>
+                <a:cs typeface="CMU Sans Serif" panose="02000603000000000000" pitchFamily="2" charset="0"/>
               </a:rPr>
               <a:t>RDF Dataset</a:t>
             </a:r>
@@ -11536,9 +11531,9 @@
           <a:p>
             <a:r>
               <a:rPr lang="en-US" sz="1800" dirty="0">
-                <a:latin typeface="CMU Sans Serif Medium" panose="02000603000000000000" pitchFamily="2" charset="0"/>
-                <a:ea typeface="CMU Sans Serif Medium" panose="02000603000000000000" pitchFamily="2" charset="0"/>
-                <a:cs typeface="CMU Sans Serif Medium" panose="02000603000000000000" pitchFamily="2" charset="0"/>
+                <a:latin typeface="CMU Sans Serif" panose="02000603000000000000" pitchFamily="2" charset="0"/>
+                <a:ea typeface="CMU Sans Serif" panose="02000603000000000000" pitchFamily="2" charset="0"/>
+                <a:cs typeface="CMU Sans Serif" panose="02000603000000000000" pitchFamily="2" charset="0"/>
               </a:rPr>
               <a:t>An RDF Dataset comprises </a:t>
             </a:r>
@@ -11547,9 +11542,9 @@
             <a:pPr lvl="1"/>
             <a:r>
               <a:rPr lang="en-US" sz="1800" dirty="0">
-                <a:latin typeface="CMU Sans Serif Medium" panose="02000603000000000000" pitchFamily="2" charset="0"/>
-                <a:ea typeface="CMU Sans Serif Medium" panose="02000603000000000000" pitchFamily="2" charset="0"/>
-                <a:cs typeface="CMU Sans Serif Medium" panose="02000603000000000000" pitchFamily="2" charset="0"/>
+                <a:latin typeface="CMU Sans Serif" panose="02000603000000000000" pitchFamily="2" charset="0"/>
+                <a:ea typeface="CMU Sans Serif" panose="02000603000000000000" pitchFamily="2" charset="0"/>
+                <a:cs typeface="CMU Sans Serif" panose="02000603000000000000" pitchFamily="2" charset="0"/>
               </a:rPr>
               <a:t>the </a:t>
             </a:r>
@@ -11558,17 +11553,17 @@
                 <a:solidFill>
                   <a:srgbClr val="0070C0"/>
                 </a:solidFill>
-                <a:latin typeface="CMU Sans Serif Medium" panose="02000603000000000000" pitchFamily="2" charset="0"/>
-                <a:ea typeface="CMU Sans Serif Medium" panose="02000603000000000000" pitchFamily="2" charset="0"/>
-                <a:cs typeface="CMU Sans Serif Medium" panose="02000603000000000000" pitchFamily="2" charset="0"/>
+                <a:latin typeface="CMU Sans Serif" panose="02000603000000000000" pitchFamily="2" charset="0"/>
+                <a:ea typeface="CMU Sans Serif" panose="02000603000000000000" pitchFamily="2" charset="0"/>
+                <a:cs typeface="CMU Sans Serif" panose="02000603000000000000" pitchFamily="2" charset="0"/>
               </a:rPr>
               <a:t>default graph</a:t>
             </a:r>
             <a:r>
               <a:rPr lang="en-US" sz="1800" dirty="0">
-                <a:latin typeface="CMU Sans Serif Medium" panose="02000603000000000000" pitchFamily="2" charset="0"/>
-                <a:ea typeface="CMU Sans Serif Medium" panose="02000603000000000000" pitchFamily="2" charset="0"/>
-                <a:cs typeface="CMU Sans Serif Medium" panose="02000603000000000000" pitchFamily="2" charset="0"/>
+                <a:latin typeface="CMU Sans Serif" panose="02000603000000000000" pitchFamily="2" charset="0"/>
+                <a:ea typeface="CMU Sans Serif" panose="02000603000000000000" pitchFamily="2" charset="0"/>
+                <a:cs typeface="CMU Sans Serif" panose="02000603000000000000" pitchFamily="2" charset="0"/>
               </a:rPr>
               <a:t>, which does not have a name</a:t>
             </a:r>
@@ -11577,9 +11572,9 @@
             <a:pPr lvl="1"/>
             <a:r>
               <a:rPr lang="en-US" sz="1800" dirty="0">
-                <a:latin typeface="CMU Sans Serif Medium" panose="02000603000000000000" pitchFamily="2" charset="0"/>
-                <a:ea typeface="CMU Sans Serif Medium" panose="02000603000000000000" pitchFamily="2" charset="0"/>
-                <a:cs typeface="CMU Sans Serif Medium" panose="02000603000000000000" pitchFamily="2" charset="0"/>
+                <a:latin typeface="CMU Sans Serif" panose="02000603000000000000" pitchFamily="2" charset="0"/>
+                <a:ea typeface="CMU Sans Serif" panose="02000603000000000000" pitchFamily="2" charset="0"/>
+                <a:cs typeface="CMU Sans Serif" panose="02000603000000000000" pitchFamily="2" charset="0"/>
               </a:rPr>
               <a:t>zero or more </a:t>
             </a:r>
@@ -11588,17 +11583,17 @@
                 <a:solidFill>
                   <a:srgbClr val="0070C0"/>
                 </a:solidFill>
-                <a:latin typeface="CMU Sans Serif Medium" panose="02000603000000000000" pitchFamily="2" charset="0"/>
-                <a:ea typeface="CMU Sans Serif Medium" panose="02000603000000000000" pitchFamily="2" charset="0"/>
-                <a:cs typeface="CMU Sans Serif Medium" panose="02000603000000000000" pitchFamily="2" charset="0"/>
+                <a:latin typeface="CMU Sans Serif" panose="02000603000000000000" pitchFamily="2" charset="0"/>
+                <a:ea typeface="CMU Sans Serif" panose="02000603000000000000" pitchFamily="2" charset="0"/>
+                <a:cs typeface="CMU Sans Serif" panose="02000603000000000000" pitchFamily="2" charset="0"/>
               </a:rPr>
               <a:t>named graphs </a:t>
             </a:r>
             <a:r>
               <a:rPr lang="en-US" sz="1800" dirty="0">
-                <a:latin typeface="CMU Sans Serif Medium" panose="02000603000000000000" pitchFamily="2" charset="0"/>
-                <a:ea typeface="CMU Sans Serif Medium" panose="02000603000000000000" pitchFamily="2" charset="0"/>
-                <a:cs typeface="CMU Sans Serif Medium" panose="02000603000000000000" pitchFamily="2" charset="0"/>
+                <a:latin typeface="CMU Sans Serif" panose="02000603000000000000" pitchFamily="2" charset="0"/>
+                <a:ea typeface="CMU Sans Serif" panose="02000603000000000000" pitchFamily="2" charset="0"/>
+                <a:cs typeface="CMU Sans Serif" panose="02000603000000000000" pitchFamily="2" charset="0"/>
               </a:rPr>
               <a:t>identified by IRIs. </a:t>
             </a:r>
@@ -11606,9 +11601,9 @@
           <a:p>
             <a:r>
               <a:rPr lang="en-US" sz="1800" dirty="0">
-                <a:latin typeface="CMU Sans Serif Medium" panose="02000603000000000000" pitchFamily="2" charset="0"/>
-                <a:ea typeface="CMU Sans Serif Medium" panose="02000603000000000000" pitchFamily="2" charset="0"/>
-                <a:cs typeface="CMU Sans Serif Medium" panose="02000603000000000000" pitchFamily="2" charset="0"/>
+                <a:latin typeface="CMU Sans Serif" panose="02000603000000000000" pitchFamily="2" charset="0"/>
+                <a:ea typeface="CMU Sans Serif" panose="02000603000000000000" pitchFamily="2" charset="0"/>
+                <a:cs typeface="CMU Sans Serif" panose="02000603000000000000" pitchFamily="2" charset="0"/>
               </a:rPr>
               <a:t>A SPARQL query can match different parts of the query pattern against different graphs</a:t>
             </a:r>
@@ -11617,9 +11612,9 @@
             <a:pPr lvl="1"/>
             <a:r>
               <a:rPr lang="en-US" sz="1800" dirty="0">
-                <a:latin typeface="CMU Sans Serif Medium" panose="02000603000000000000" pitchFamily="2" charset="0"/>
-                <a:ea typeface="CMU Sans Serif Medium" panose="02000603000000000000" pitchFamily="2" charset="0"/>
-                <a:cs typeface="CMU Sans Serif Medium" panose="02000603000000000000" pitchFamily="2" charset="0"/>
+                <a:latin typeface="CMU Sans Serif" panose="02000603000000000000" pitchFamily="2" charset="0"/>
+                <a:ea typeface="CMU Sans Serif" panose="02000603000000000000" pitchFamily="2" charset="0"/>
+                <a:cs typeface="CMU Sans Serif" panose="02000603000000000000" pitchFamily="2" charset="0"/>
               </a:rPr>
               <a:t>The graph that is used for matching a basic graph pattern is the </a:t>
             </a:r>
@@ -11628,17 +11623,17 @@
                 <a:solidFill>
                   <a:srgbClr val="0070C0"/>
                 </a:solidFill>
-                <a:latin typeface="CMU Sans Serif Medium" panose="02000603000000000000" pitchFamily="2" charset="0"/>
-                <a:ea typeface="CMU Sans Serif Medium" panose="02000603000000000000" pitchFamily="2" charset="0"/>
-                <a:cs typeface="CMU Sans Serif Medium" panose="02000603000000000000" pitchFamily="2" charset="0"/>
+                <a:latin typeface="CMU Sans Serif" panose="02000603000000000000" pitchFamily="2" charset="0"/>
+                <a:ea typeface="CMU Sans Serif" panose="02000603000000000000" pitchFamily="2" charset="0"/>
+                <a:cs typeface="CMU Sans Serif" panose="02000603000000000000" pitchFamily="2" charset="0"/>
               </a:rPr>
               <a:t>active graph</a:t>
             </a:r>
             <a:r>
               <a:rPr lang="en-US" sz="1800" dirty="0">
-                <a:latin typeface="CMU Sans Serif Medium" panose="02000603000000000000" pitchFamily="2" charset="0"/>
-                <a:ea typeface="CMU Sans Serif Medium" panose="02000603000000000000" pitchFamily="2" charset="0"/>
-                <a:cs typeface="CMU Sans Serif Medium" panose="02000603000000000000" pitchFamily="2" charset="0"/>
+                <a:latin typeface="CMU Sans Serif" panose="02000603000000000000" pitchFamily="2" charset="0"/>
+                <a:ea typeface="CMU Sans Serif" panose="02000603000000000000" pitchFamily="2" charset="0"/>
+                <a:cs typeface="CMU Sans Serif" panose="02000603000000000000" pitchFamily="2" charset="0"/>
               </a:rPr>
               <a:t>. </a:t>
             </a:r>
@@ -11647,9 +11642,9 @@
             <a:pPr lvl="1"/>
             <a:r>
               <a:rPr lang="en-US" sz="1800" dirty="0">
-                <a:latin typeface="CMU Sans Serif Medium" panose="02000603000000000000" pitchFamily="2" charset="0"/>
-                <a:ea typeface="CMU Sans Serif Medium" panose="02000603000000000000" pitchFamily="2" charset="0"/>
-                <a:cs typeface="CMU Sans Serif Medium" panose="02000603000000000000" pitchFamily="2" charset="0"/>
+                <a:latin typeface="CMU Sans Serif" panose="02000603000000000000" pitchFamily="2" charset="0"/>
+                <a:ea typeface="CMU Sans Serif" panose="02000603000000000000" pitchFamily="2" charset="0"/>
+                <a:cs typeface="CMU Sans Serif" panose="02000603000000000000" pitchFamily="2" charset="0"/>
               </a:rPr>
               <a:t>The GRAPH keyword is used to make the active graph one of all of the named graphs in the dataset for part of the query.</a:t>
             </a:r>
